--- a/hotspot/iRSpot-CNN-1D_final.pptx
+++ b/hotspot/iRSpot-CNN-1D_final.pptx
@@ -18,6 +18,7 @@
     <p:sldId id="266" r:id="rId39"/>
     <p:sldId id="267" r:id="rId40"/>
     <p:sldId id="268" r:id="rId41"/>
+    <p:sldId id="269" r:id="rId42"/>
   </p:sldIdLst>
   <p:sldSz cx="18288000" cy="10287000"/>
   <p:notesSz cx="6858000" cy="9144000"/>
@@ -4212,7 +4213,7 @@
         <p:spPr>
           <a:xfrm rot="0">
             <a:off x="1028700" y="859205"/>
-            <a:ext cx="20504701" cy="723305"/>
+            <a:ext cx="13820713" cy="723305"/>
           </a:xfrm>
           <a:prstGeom prst="rect">
             <a:avLst/>
@@ -4245,7 +4246,7 @@
                 </a:solidFill>
                 <a:latin typeface="Poppins Medium"/>
               </a:rPr>
-              <a:t>(State-of-the-art-predictors)</a:t>
+              <a:t>(CNN-1D ROC Curve)</a:t>
             </a:r>
           </a:p>
         </p:txBody>
@@ -4339,8 +4340,8 @@
         </p:blipFill>
         <p:spPr>
           <a:xfrm flipH="false" flipV="false" rot="0">
-            <a:off x="8248999" y="2972064"/>
-            <a:ext cx="9839790" cy="3599923"/>
+            <a:off x="10039621" y="2125732"/>
+            <a:ext cx="6593922" cy="6593922"/>
           </a:xfrm>
           <a:prstGeom prst="rect">
             <a:avLst/>
@@ -4469,8 +4470,8 @@
         </p:nvSpPr>
         <p:spPr>
           <a:xfrm rot="0">
-            <a:off x="8332185" y="6552936"/>
-            <a:ext cx="9819969" cy="762000"/>
+            <a:off x="11723558" y="8867775"/>
+            <a:ext cx="9819969" cy="390525"/>
           </a:xfrm>
           <a:prstGeom prst="rect">
             <a:avLst/>
@@ -4494,7 +4495,7 @@
                 </a:solidFill>
                 <a:latin typeface="Arapey"/>
               </a:rPr>
-              <a:t>Figure 8: Comparison of performances of iRecSpot-CNN-1D with other state-of-the-art predictors</a:t>
+              <a:t>Figure 8: CNN-1D ROC curve</a:t>
             </a:r>
           </a:p>
         </p:txBody>
@@ -4507,8 +4508,8 @@
         </p:nvSpPr>
         <p:spPr>
           <a:xfrm rot="0">
-            <a:off x="1138820" y="1834143"/>
-            <a:ext cx="6843479" cy="7190105"/>
+            <a:off x="1283615" y="3804078"/>
+            <a:ext cx="8069935" cy="3589655"/>
           </a:xfrm>
           <a:prstGeom prst="rect">
             <a:avLst/>
@@ -4532,15 +4533,8 @@
                 </a:solidFill>
                 <a:latin typeface="Open Sans"/>
               </a:rPr>
-              <a:t>Now, we will compare the performance of iRecSpot-CNN-1D with other state-of-the-art predictors who used the same datasets. We have</a:t>
-            </a:r>
-          </a:p>
-          <a:p>
-            <a:pPr algn="just">
-              <a:lnSpc>
-                <a:spcPts val="3220"/>
-              </a:lnSpc>
-            </a:pPr>
+              <a:t>In Machine Learning, performance measurement is an essential task. So when it comes to a classification problem, we can count on an AUC - ROC Curve. When we need to check or visualize the performance of the multi - class classification pr</a:t>
+            </a:r>
             <a:r>
               <a:rPr lang="en-US" sz="2300">
                 <a:solidFill>
@@ -4548,22 +4542,8 @@
                 </a:solidFill>
                 <a:latin typeface="Open Sans"/>
               </a:rPr>
-              <a:t>chosen six previous predictors for the purpose of comparison. They are: iRSpot-TNCPseAAC, iRSpot-PseDNC, IDQD, iRSpot-ADPM, iRSpot-SF and iRSpot-EF. </a:t>
-            </a:r>
-          </a:p>
-          <a:p>
-            <a:pPr algn="just">
-              <a:lnSpc>
-                <a:spcPts val="3220"/>
-              </a:lnSpc>
-            </a:pPr>
-          </a:p>
-          <a:p>
-            <a:pPr algn="just">
-              <a:lnSpc>
-                <a:spcPts val="3219"/>
-              </a:lnSpc>
-            </a:pPr>
+              <a:t>oblem, </a:t>
+            </a:r>
             <a:r>
               <a:rPr lang="en-US" sz="2300">
                 <a:solidFill>
@@ -4571,15 +4551,8 @@
                 </a:solidFill>
                 <a:latin typeface="Open Sans"/>
               </a:rPr>
-              <a:t>Results in terms of Sensitivity ( Sn), Specificity (Sp),</a:t>
-            </a:r>
-          </a:p>
-          <a:p>
-            <a:pPr algn="just">
-              <a:lnSpc>
-                <a:spcPts val="3220"/>
-              </a:lnSpc>
-            </a:pPr>
+              <a:t>we </a:t>
+            </a:r>
             <a:r>
               <a:rPr lang="en-US" sz="2300">
                 <a:solidFill>
@@ -4587,22 +4560,8 @@
                 </a:solidFill>
                 <a:latin typeface="Open Sans"/>
               </a:rPr>
-              <a:t>Accuracy (Acc) and MCC are reported in Figure 8. </a:t>
-            </a:r>
-          </a:p>
-          <a:p>
-            <a:pPr algn="just">
-              <a:lnSpc>
-                <a:spcPts val="3220"/>
-              </a:lnSpc>
-            </a:pPr>
-          </a:p>
-          <a:p>
-            <a:pPr algn="just">
-              <a:lnSpc>
-                <a:spcPts val="3219"/>
-              </a:lnSpc>
-            </a:pPr>
+              <a:t>u</a:t>
+            </a:r>
             <a:r>
               <a:rPr lang="en-US" sz="2300">
                 <a:solidFill>
@@ -4610,16 +4569,7 @@
                 </a:solidFill>
                 <a:latin typeface="Open Sans"/>
               </a:rPr>
-              <a:t>From the results shown in Figure 8, it is evident that our proposed method </a:t>
-            </a:r>
-            <a:r>
-              <a:rPr lang="en-US" sz="2300">
-                <a:solidFill>
-                  <a:srgbClr val="000000"/>
-                </a:solidFill>
-                <a:latin typeface="Open Sans Bold"/>
-              </a:rPr>
-              <a:t>iRecSpot-CNN-1D</a:t>
+              <a:t>se </a:t>
             </a:r>
             <a:r>
               <a:rPr lang="en-US" sz="2300">
@@ -4628,6 +4578,51 @@
                 </a:solidFill>
                 <a:latin typeface="Open Sans"/>
               </a:rPr>
+              <a:t>AU</a:t>
+            </a:r>
+            <a:r>
+              <a:rPr lang="en-US" sz="2300">
+                <a:solidFill>
+                  <a:srgbClr val="000000"/>
+                </a:solidFill>
+                <a:latin typeface="Open Sans"/>
+              </a:rPr>
+              <a:t>C </a:t>
+            </a:r>
+            <a:r>
+              <a:rPr lang="en-US" sz="2300">
+                <a:solidFill>
+                  <a:srgbClr val="000000"/>
+                </a:solidFill>
+                <a:latin typeface="Open Sans"/>
+              </a:rPr>
+              <a:t>(Are</a:t>
+            </a:r>
+            <a:r>
+              <a:rPr lang="en-US" sz="2300">
+                <a:solidFill>
+                  <a:srgbClr val="000000"/>
+                </a:solidFill>
+                <a:latin typeface="Open Sans"/>
+              </a:rPr>
+              <a:t>a</a:t>
+            </a:r>
+            <a:r>
+              <a:rPr lang="en-US" sz="2300">
+                <a:solidFill>
+                  <a:srgbClr val="000000"/>
+                </a:solidFill>
+                <a:latin typeface="Open Sans"/>
+              </a:rPr>
+              <a:t> Under</a:t>
+            </a:r>
+            <a:r>
+              <a:rPr lang="en-US" sz="2300">
+                <a:solidFill>
+                  <a:srgbClr val="000000"/>
+                </a:solidFill>
+                <a:latin typeface="Open Sans"/>
+              </a:rPr>
               <a:t> </a:t>
             </a:r>
             <a:r>
@@ -4635,18 +4630,117 @@
                 <a:solidFill>
                   <a:srgbClr val="000000"/>
                 </a:solidFill>
-                <a:latin typeface="Open Sans Bold"/>
-              </a:rPr>
-              <a:t>could not outperforms</a:t>
-            </a:r>
-            <a:r>
-              <a:rPr lang="en-US" sz="2300">
-                <a:solidFill>
-                  <a:srgbClr val="000000"/>
-                </a:solidFill>
                 <a:latin typeface="Open Sans"/>
               </a:rPr>
-              <a:t> all these methods in terms of all the evaluation metrics considered for the experiments and, classification methods and feature selection approaches employed by other state-of-the-art pre-dictors is also given in 8.</a:t>
+              <a:t>T</a:t>
+            </a:r>
+            <a:r>
+              <a:rPr lang="en-US" sz="2300">
+                <a:solidFill>
+                  <a:srgbClr val="000000"/>
+                </a:solidFill>
+                <a:latin typeface="Open Sans"/>
+              </a:rPr>
+              <a:t>he </a:t>
+            </a:r>
+            <a:r>
+              <a:rPr lang="en-US" sz="2300">
+                <a:solidFill>
+                  <a:srgbClr val="000000"/>
+                </a:solidFill>
+                <a:latin typeface="Open Sans"/>
+              </a:rPr>
+              <a:t>Curv</a:t>
+            </a:r>
+            <a:r>
+              <a:rPr lang="en-US" sz="2300">
+                <a:solidFill>
+                  <a:srgbClr val="000000"/>
+                </a:solidFill>
+                <a:latin typeface="Open Sans"/>
+              </a:rPr>
+              <a:t>e</a:t>
+            </a:r>
+            <a:r>
+              <a:rPr lang="en-US" sz="2300">
+                <a:solidFill>
+                  <a:srgbClr val="000000"/>
+                </a:solidFill>
+                <a:latin typeface="Open Sans"/>
+              </a:rPr>
+              <a:t>) ROC</a:t>
+            </a:r>
+            <a:r>
+              <a:rPr lang="en-US" sz="2300">
+                <a:solidFill>
+                  <a:srgbClr val="000000"/>
+                </a:solidFill>
+                <a:latin typeface="Open Sans"/>
+              </a:rPr>
+              <a:t> </a:t>
+            </a:r>
+            <a:r>
+              <a:rPr lang="en-US" sz="2300">
+                <a:solidFill>
+                  <a:srgbClr val="000000"/>
+                </a:solidFill>
+                <a:latin typeface="Open Sans"/>
+              </a:rPr>
+              <a:t>(Receiver O</a:t>
+            </a:r>
+            <a:r>
+              <a:rPr lang="en-US" sz="2300">
+                <a:solidFill>
+                  <a:srgbClr val="000000"/>
+                </a:solidFill>
+                <a:latin typeface="Open Sans"/>
+              </a:rPr>
+              <a:t>per</a:t>
+            </a:r>
+            <a:r>
+              <a:rPr lang="en-US" sz="2300">
+                <a:solidFill>
+                  <a:srgbClr val="000000"/>
+                </a:solidFill>
+                <a:latin typeface="Open Sans"/>
+              </a:rPr>
+              <a:t>at</a:t>
+            </a:r>
+            <a:r>
+              <a:rPr lang="en-US" sz="2300">
+                <a:solidFill>
+                  <a:srgbClr val="000000"/>
+                </a:solidFill>
+                <a:latin typeface="Open Sans"/>
+              </a:rPr>
+              <a:t>ing </a:t>
+            </a:r>
+            <a:r>
+              <a:rPr lang="en-US" sz="2300">
+                <a:solidFill>
+                  <a:srgbClr val="000000"/>
+                </a:solidFill>
+                <a:latin typeface="Open Sans"/>
+              </a:rPr>
+              <a:t>Ch</a:t>
+            </a:r>
+            <a:r>
+              <a:rPr lang="en-US" sz="2300">
+                <a:solidFill>
+                  <a:srgbClr val="000000"/>
+                </a:solidFill>
+                <a:latin typeface="Open Sans"/>
+              </a:rPr>
+              <a:t>ar</a:t>
+            </a:r>
+            <a:r>
+              <a:rPr lang="en-US" sz="2300">
+                <a:solidFill>
+                  <a:srgbClr val="000000"/>
+                </a:solidFill>
+                <a:latin typeface="Open Sans"/>
+              </a:rPr>
+              <a:t>acteristics) curve. It is one of the most important evaluation metrics for checking any classification model’s performance.  Figure-8 shows the performance of our CNN-1D model. </a:t>
             </a:r>
           </a:p>
         </p:txBody>
@@ -4822,8 +4916,8 @@
         </p:nvSpPr>
         <p:spPr>
           <a:xfrm rot="0">
-            <a:off x="981075" y="9947962"/>
-            <a:ext cx="1884404" cy="208008"/>
+            <a:off x="1028700" y="859205"/>
+            <a:ext cx="20504701" cy="723305"/>
           </a:xfrm>
           <a:prstGeom prst="rect">
             <a:avLst/>
@@ -4835,120 +4929,6 @@
           </a:bodyPr>
           <a:lstStyle/>
           <a:p>
-            <a:pPr algn="r">
-              <a:lnSpc>
-                <a:spcPts val="1680"/>
-              </a:lnSpc>
-            </a:pPr>
-            <a:r>
-              <a:rPr lang="en-US" sz="1400" spc="98">
-                <a:solidFill>
-                  <a:srgbClr val="000000"/>
-                </a:solidFill>
-                <a:latin typeface="Poppins Light"/>
-              </a:rPr>
-              <a:t>black_crow</a:t>
-            </a:r>
-          </a:p>
-        </p:txBody>
-      </p:sp>
-      <p:sp>
-        <p:nvSpPr>
-          <p:cNvPr name="TextBox 7" id="7"/>
-          <p:cNvSpPr txBox="true"/>
-          <p:nvPr/>
-        </p:nvSpPr>
-        <p:spPr>
-          <a:xfrm rot="0">
-            <a:off x="14849413" y="9947962"/>
-            <a:ext cx="4724524" cy="208008"/>
-          </a:xfrm>
-          <a:prstGeom prst="rect">
-            <a:avLst/>
-          </a:prstGeom>
-        </p:spPr>
-        <p:txBody>
-          <a:bodyPr anchor="t" rtlCol="false" tIns="0" lIns="0" bIns="0" rIns="0">
-            <a:spAutoFit/>
-          </a:bodyPr>
-          <a:lstStyle/>
-          <a:p>
-            <a:pPr>
-              <a:lnSpc>
-                <a:spcPts val="1680"/>
-              </a:lnSpc>
-            </a:pPr>
-            <a:r>
-              <a:rPr lang="en-US" sz="1400" spc="98">
-                <a:solidFill>
-                  <a:srgbClr val="000000"/>
-                </a:solidFill>
-                <a:latin typeface="Poppins Light"/>
-              </a:rPr>
-              <a:t>DEPARTMENT OF CSE, UIU </a:t>
-            </a:r>
-          </a:p>
-        </p:txBody>
-      </p:sp>
-      <p:sp>
-        <p:nvSpPr>
-          <p:cNvPr name="TextBox 8" id="8"/>
-          <p:cNvSpPr txBox="true"/>
-          <p:nvPr/>
-        </p:nvSpPr>
-        <p:spPr>
-          <a:xfrm rot="0">
-            <a:off x="8210279" y="9716822"/>
-            <a:ext cx="1829341" cy="481330"/>
-          </a:xfrm>
-          <a:prstGeom prst="rect">
-            <a:avLst/>
-          </a:prstGeom>
-        </p:spPr>
-        <p:txBody>
-          <a:bodyPr anchor="t" rtlCol="false" tIns="0" lIns="0" bIns="0" rIns="0">
-            <a:spAutoFit/>
-          </a:bodyPr>
-          <a:lstStyle/>
-          <a:p>
-            <a:pPr algn="ctr">
-              <a:lnSpc>
-                <a:spcPts val="3919"/>
-              </a:lnSpc>
-            </a:pPr>
-            <a:r>
-              <a:rPr lang="en-US" sz="2800">
-                <a:solidFill>
-                  <a:srgbClr val="F9F9FA"/>
-                </a:solidFill>
-                <a:latin typeface="Code Pro"/>
-              </a:rPr>
-              <a:t>10</a:t>
-            </a:r>
-          </a:p>
-        </p:txBody>
-      </p:sp>
-      <p:sp>
-        <p:nvSpPr>
-          <p:cNvPr name="TextBox 9" id="9"/>
-          <p:cNvSpPr txBox="true"/>
-          <p:nvPr/>
-        </p:nvSpPr>
-        <p:spPr>
-          <a:xfrm rot="0">
-            <a:off x="1028700" y="859205"/>
-            <a:ext cx="6286896" cy="723305"/>
-          </a:xfrm>
-          <a:prstGeom prst="rect">
-            <a:avLst/>
-          </a:prstGeom>
-        </p:spPr>
-        <p:txBody>
-          <a:bodyPr anchor="t" rtlCol="false" tIns="0" lIns="0" bIns="0" rIns="0">
-            <a:spAutoFit/>
-          </a:bodyPr>
-          <a:lstStyle/>
-          <a:p>
             <a:pPr>
               <a:lnSpc>
                 <a:spcPts val="5759"/>
@@ -4961,14 +4941,23 @@
                 </a:solidFill>
                 <a:latin typeface="Poppins Medium Bold"/>
               </a:rPr>
-              <a:t>Conclusion</a:t>
+              <a:t>Result Analysis - </a:t>
+            </a:r>
+            <a:r>
+              <a:rPr lang="en-US" sz="4800">
+                <a:solidFill>
+                  <a:srgbClr val="181C61"/>
+                </a:solidFill>
+                <a:latin typeface="Poppins Medium"/>
+              </a:rPr>
+              <a:t>(State-of-the-art-predictors)</a:t>
             </a:r>
           </a:p>
         </p:txBody>
       </p:sp>
       <p:sp>
         <p:nvSpPr>
-          <p:cNvPr name="AutoShape 10" id="10"/>
+          <p:cNvPr name="AutoShape 7" id="7"/>
           <p:cNvSpPr/>
           <p:nvPr/>
         </p:nvSpPr>
@@ -4987,7 +4976,7 @@
       </p:sp>
       <p:grpSp>
         <p:nvGrpSpPr>
-          <p:cNvPr name="Group 11" id="11"/>
+          <p:cNvPr name="Group 8" id="8"/>
           <p:cNvGrpSpPr/>
           <p:nvPr/>
         </p:nvGrpSpPr>
@@ -5001,7 +4990,7 @@
         </p:grpSpPr>
         <p:sp>
           <p:nvSpPr>
-            <p:cNvPr name="AutoShape 12" id="12"/>
+            <p:cNvPr name="AutoShape 9" id="9"/>
             <p:cNvSpPr/>
             <p:nvPr/>
           </p:nvSpPr>
@@ -5020,7 +5009,7 @@
         </p:sp>
         <p:sp>
           <p:nvSpPr>
-            <p:cNvPr name="AutoShape 13" id="13"/>
+            <p:cNvPr name="AutoShape 10" id="10"/>
             <p:cNvSpPr/>
             <p:nvPr/>
           </p:nvSpPr>
@@ -5038,16 +5027,41 @@
           </p:spPr>
         </p:sp>
       </p:grpSp>
-      <p:sp>
-        <p:nvSpPr>
-          <p:cNvPr name="TextBox 14" id="14"/>
+      <p:pic>
+        <p:nvPicPr>
+          <p:cNvPr name="Picture 11" id="11"/>
+          <p:cNvPicPr>
+            <a:picLocks noChangeAspect="true"/>
+          </p:cNvPicPr>
+          <p:nvPr/>
+        </p:nvPicPr>
+        <p:blipFill>
+          <a:blip r:embed="rId3"/>
+          <a:srcRect l="0" t="0" r="0" b="0"/>
+          <a:stretch>
+            <a:fillRect/>
+          </a:stretch>
+        </p:blipFill>
+        <p:spPr>
+          <a:xfrm flipH="false" flipV="false" rot="0">
+            <a:off x="8248999" y="2972064"/>
+            <a:ext cx="9839790" cy="3599923"/>
+          </a:xfrm>
+          <a:prstGeom prst="rect">
+            <a:avLst/>
+          </a:prstGeom>
+        </p:spPr>
+      </p:pic>
+      <p:sp>
+        <p:nvSpPr>
+          <p:cNvPr name="TextBox 12" id="12"/>
           <p:cNvSpPr txBox="true"/>
           <p:nvPr/>
         </p:nvSpPr>
         <p:spPr>
           <a:xfrm rot="0">
-            <a:off x="1133069" y="3701973"/>
-            <a:ext cx="16517162" cy="3189605"/>
+            <a:off x="981075" y="9947962"/>
+            <a:ext cx="1884404" cy="208008"/>
           </a:xfrm>
           <a:prstGeom prst="rect">
             <a:avLst/>
@@ -5059,6 +5073,174 @@
           </a:bodyPr>
           <a:lstStyle/>
           <a:p>
+            <a:pPr algn="r">
+              <a:lnSpc>
+                <a:spcPts val="1680"/>
+              </a:lnSpc>
+            </a:pPr>
+            <a:r>
+              <a:rPr lang="en-US" sz="1400" spc="98">
+                <a:solidFill>
+                  <a:srgbClr val="000000"/>
+                </a:solidFill>
+                <a:latin typeface="Poppins Light"/>
+              </a:rPr>
+              <a:t>black_crow</a:t>
+            </a:r>
+          </a:p>
+        </p:txBody>
+      </p:sp>
+      <p:sp>
+        <p:nvSpPr>
+          <p:cNvPr name="TextBox 13" id="13"/>
+          <p:cNvSpPr txBox="true"/>
+          <p:nvPr/>
+        </p:nvSpPr>
+        <p:spPr>
+          <a:xfrm rot="0">
+            <a:off x="14849413" y="9947962"/>
+            <a:ext cx="4724524" cy="208008"/>
+          </a:xfrm>
+          <a:prstGeom prst="rect">
+            <a:avLst/>
+          </a:prstGeom>
+        </p:spPr>
+        <p:txBody>
+          <a:bodyPr anchor="t" rtlCol="false" tIns="0" lIns="0" bIns="0" rIns="0">
+            <a:spAutoFit/>
+          </a:bodyPr>
+          <a:lstStyle/>
+          <a:p>
+            <a:pPr>
+              <a:lnSpc>
+                <a:spcPts val="1680"/>
+              </a:lnSpc>
+            </a:pPr>
+            <a:r>
+              <a:rPr lang="en-US" sz="1400" spc="98">
+                <a:solidFill>
+                  <a:srgbClr val="000000"/>
+                </a:solidFill>
+                <a:latin typeface="Poppins Light"/>
+              </a:rPr>
+              <a:t>DEPARTMENT OF CSE, UIU </a:t>
+            </a:r>
+          </a:p>
+        </p:txBody>
+      </p:sp>
+      <p:sp>
+        <p:nvSpPr>
+          <p:cNvPr name="TextBox 14" id="14"/>
+          <p:cNvSpPr txBox="true"/>
+          <p:nvPr/>
+        </p:nvSpPr>
+        <p:spPr>
+          <a:xfrm rot="0">
+            <a:off x="8210279" y="9716822"/>
+            <a:ext cx="1829341" cy="481330"/>
+          </a:xfrm>
+          <a:prstGeom prst="rect">
+            <a:avLst/>
+          </a:prstGeom>
+        </p:spPr>
+        <p:txBody>
+          <a:bodyPr anchor="t" rtlCol="false" tIns="0" lIns="0" bIns="0" rIns="0">
+            <a:spAutoFit/>
+          </a:bodyPr>
+          <a:lstStyle/>
+          <a:p>
+            <a:pPr algn="ctr">
+              <a:lnSpc>
+                <a:spcPts val="3919"/>
+              </a:lnSpc>
+            </a:pPr>
+            <a:r>
+              <a:rPr lang="en-US" sz="2800">
+                <a:solidFill>
+                  <a:srgbClr val="F9F9FA"/>
+                </a:solidFill>
+                <a:latin typeface="Code Pro"/>
+              </a:rPr>
+              <a:t>10</a:t>
+            </a:r>
+          </a:p>
+        </p:txBody>
+      </p:sp>
+      <p:sp>
+        <p:nvSpPr>
+          <p:cNvPr name="TextBox 15" id="15"/>
+          <p:cNvSpPr txBox="true"/>
+          <p:nvPr/>
+        </p:nvSpPr>
+        <p:spPr>
+          <a:xfrm rot="0">
+            <a:off x="8332185" y="6552936"/>
+            <a:ext cx="9819969" cy="762000"/>
+          </a:xfrm>
+          <a:prstGeom prst="rect">
+            <a:avLst/>
+          </a:prstGeom>
+        </p:spPr>
+        <p:txBody>
+          <a:bodyPr anchor="t" rtlCol="false" tIns="0" lIns="0" bIns="0" rIns="0">
+            <a:spAutoFit/>
+          </a:bodyPr>
+          <a:lstStyle/>
+          <a:p>
+            <a:pPr>
+              <a:lnSpc>
+                <a:spcPts val="3000"/>
+              </a:lnSpc>
+            </a:pPr>
+            <a:r>
+              <a:rPr lang="en-US" sz="2500">
+                <a:solidFill>
+                  <a:srgbClr val="181C61"/>
+                </a:solidFill>
+                <a:latin typeface="Arapey"/>
+              </a:rPr>
+              <a:t>Figure 9: Comparison of performances of iRecSpot-CNN-1D with other state-of-the-art predictors</a:t>
+            </a:r>
+          </a:p>
+        </p:txBody>
+      </p:sp>
+      <p:sp>
+        <p:nvSpPr>
+          <p:cNvPr name="TextBox 16" id="16"/>
+          <p:cNvSpPr txBox="true"/>
+          <p:nvPr/>
+        </p:nvSpPr>
+        <p:spPr>
+          <a:xfrm rot="0">
+            <a:off x="1138820" y="1834143"/>
+            <a:ext cx="6843479" cy="7190105"/>
+          </a:xfrm>
+          <a:prstGeom prst="rect">
+            <a:avLst/>
+          </a:prstGeom>
+        </p:spPr>
+        <p:txBody>
+          <a:bodyPr anchor="t" rtlCol="false" tIns="0" lIns="0" bIns="0" rIns="0">
+            <a:spAutoFit/>
+          </a:bodyPr>
+          <a:lstStyle/>
+          <a:p>
+            <a:pPr algn="just">
+              <a:lnSpc>
+                <a:spcPts val="3219"/>
+              </a:lnSpc>
+            </a:pPr>
+            <a:r>
+              <a:rPr lang="en-US" sz="2300">
+                <a:solidFill>
+                  <a:srgbClr val="000000"/>
+                </a:solidFill>
+                <a:latin typeface="Open Sans"/>
+              </a:rPr>
+              <a:t>Now, we will compare the performance of iRecSpot-CNN-1D with other state-of-the-art predictors who used the same datasets. We have</a:t>
+            </a:r>
+          </a:p>
+          <a:p>
             <a:pPr algn="just">
               <a:lnSpc>
                 <a:spcPts val="3220"/>
@@ -5071,7 +5253,7 @@
                 </a:solidFill>
                 <a:latin typeface="Open Sans"/>
               </a:rPr>
-              <a:t>In this project, we have worked on a predictor, iRecSpot-CNN-1D to efficiently identify recombination spots employing a set of novel features in combination with a coherent feature selection approach. In total, seven hundred sixty features were generated by the three feature generation method. Our features As iRecSpot-CNN-1D trying to accomplish to identify recombination spots better than any other existing methods, it may play a significant role in genetics and cell biology. </a:t>
+              <a:t>chosen six previous predictors for the purpose of comparison. They are: iRSpot-TNCPseAAC, iRSpot-PseDNC, IDQD, iRSpot-ADPM, iRSpot-SF and iRSpot-EF. </a:t>
             </a:r>
           </a:p>
           <a:p>
@@ -5094,7 +5276,82 @@
                 </a:solidFill>
                 <a:latin typeface="Open Sans"/>
               </a:rPr>
-              <a:t>Furthermore, the simplicity and the efficiency of the method is very promising as a bioinformatics approach to reveal the mechanism of recombination and genome variation. We are trying more optimization approaches to generate features. </a:t>
+              <a:t>Results in terms of Sensitivity ( Sn), Specificity (Sp),</a:t>
+            </a:r>
+          </a:p>
+          <a:p>
+            <a:pPr algn="just">
+              <a:lnSpc>
+                <a:spcPts val="3220"/>
+              </a:lnSpc>
+            </a:pPr>
+            <a:r>
+              <a:rPr lang="en-US" sz="2300">
+                <a:solidFill>
+                  <a:srgbClr val="000000"/>
+                </a:solidFill>
+                <a:latin typeface="Open Sans"/>
+              </a:rPr>
+              <a:t>Accuracy (Acc) and MCC are reported in Figure 9. </a:t>
+            </a:r>
+          </a:p>
+          <a:p>
+            <a:pPr algn="just">
+              <a:lnSpc>
+                <a:spcPts val="3220"/>
+              </a:lnSpc>
+            </a:pPr>
+          </a:p>
+          <a:p>
+            <a:pPr algn="just">
+              <a:lnSpc>
+                <a:spcPts val="3219"/>
+              </a:lnSpc>
+            </a:pPr>
+            <a:r>
+              <a:rPr lang="en-US" sz="2300">
+                <a:solidFill>
+                  <a:srgbClr val="000000"/>
+                </a:solidFill>
+                <a:latin typeface="Open Sans"/>
+              </a:rPr>
+              <a:t>From the results shown in Figure 9, it is evident that our proposed method </a:t>
+            </a:r>
+            <a:r>
+              <a:rPr lang="en-US" sz="2300">
+                <a:solidFill>
+                  <a:srgbClr val="000000"/>
+                </a:solidFill>
+                <a:latin typeface="Open Sans Bold"/>
+              </a:rPr>
+              <a:t>iRecSpot-CNN-1D</a:t>
+            </a:r>
+            <a:r>
+              <a:rPr lang="en-US" sz="2300">
+                <a:solidFill>
+                  <a:srgbClr val="000000"/>
+                </a:solidFill>
+                <a:latin typeface="Open Sans"/>
+              </a:rPr>
+              <a:t> </a:t>
+            </a:r>
+            <a:r>
+              <a:rPr lang="en-US" sz="2300">
+                <a:solidFill>
+                  <a:srgbClr val="000000"/>
+                </a:solidFill>
+                <a:latin typeface="Open Sans Bold"/>
+              </a:rPr>
+              <a:t>could not outperforms</a:t>
+            </a:r>
+            <a:r>
+              <a:rPr lang="en-US" sz="2300">
+                <a:solidFill>
+                  <a:srgbClr val="000000"/>
+                </a:solidFill>
+                <a:latin typeface="Open Sans"/>
+              </a:rPr>
+              <a:t> all these methods in terms of all the evaluation metrics considered for the experiments and, classification methods and feature selection approaches employed by other state-of-the-art pre-dictors is also given in 9.</a:t>
             </a:r>
           </a:p>
         </p:txBody>
@@ -5270,8 +5527,8 @@
         </p:nvSpPr>
         <p:spPr>
           <a:xfrm rot="0">
-            <a:off x="1028700" y="859205"/>
-            <a:ext cx="6286896" cy="723305"/>
+            <a:off x="981075" y="9947962"/>
+            <a:ext cx="1884404" cy="208008"/>
           </a:xfrm>
           <a:prstGeom prst="rect">
             <a:avLst/>
@@ -5283,6 +5540,120 @@
           </a:bodyPr>
           <a:lstStyle/>
           <a:p>
+            <a:pPr algn="r">
+              <a:lnSpc>
+                <a:spcPts val="1680"/>
+              </a:lnSpc>
+            </a:pPr>
+            <a:r>
+              <a:rPr lang="en-US" sz="1400" spc="98">
+                <a:solidFill>
+                  <a:srgbClr val="000000"/>
+                </a:solidFill>
+                <a:latin typeface="Poppins Light"/>
+              </a:rPr>
+              <a:t>black_crow</a:t>
+            </a:r>
+          </a:p>
+        </p:txBody>
+      </p:sp>
+      <p:sp>
+        <p:nvSpPr>
+          <p:cNvPr name="TextBox 7" id="7"/>
+          <p:cNvSpPr txBox="true"/>
+          <p:nvPr/>
+        </p:nvSpPr>
+        <p:spPr>
+          <a:xfrm rot="0">
+            <a:off x="14849413" y="9947962"/>
+            <a:ext cx="4724524" cy="208008"/>
+          </a:xfrm>
+          <a:prstGeom prst="rect">
+            <a:avLst/>
+          </a:prstGeom>
+        </p:spPr>
+        <p:txBody>
+          <a:bodyPr anchor="t" rtlCol="false" tIns="0" lIns="0" bIns="0" rIns="0">
+            <a:spAutoFit/>
+          </a:bodyPr>
+          <a:lstStyle/>
+          <a:p>
+            <a:pPr>
+              <a:lnSpc>
+                <a:spcPts val="1680"/>
+              </a:lnSpc>
+            </a:pPr>
+            <a:r>
+              <a:rPr lang="en-US" sz="1400" spc="98">
+                <a:solidFill>
+                  <a:srgbClr val="000000"/>
+                </a:solidFill>
+                <a:latin typeface="Poppins Light"/>
+              </a:rPr>
+              <a:t>DEPARTMENT OF CSE, UIU </a:t>
+            </a:r>
+          </a:p>
+        </p:txBody>
+      </p:sp>
+      <p:sp>
+        <p:nvSpPr>
+          <p:cNvPr name="TextBox 8" id="8"/>
+          <p:cNvSpPr txBox="true"/>
+          <p:nvPr/>
+        </p:nvSpPr>
+        <p:spPr>
+          <a:xfrm rot="0">
+            <a:off x="8210279" y="9716822"/>
+            <a:ext cx="1829341" cy="481330"/>
+          </a:xfrm>
+          <a:prstGeom prst="rect">
+            <a:avLst/>
+          </a:prstGeom>
+        </p:spPr>
+        <p:txBody>
+          <a:bodyPr anchor="t" rtlCol="false" tIns="0" lIns="0" bIns="0" rIns="0">
+            <a:spAutoFit/>
+          </a:bodyPr>
+          <a:lstStyle/>
+          <a:p>
+            <a:pPr algn="ctr">
+              <a:lnSpc>
+                <a:spcPts val="3919"/>
+              </a:lnSpc>
+            </a:pPr>
+            <a:r>
+              <a:rPr lang="en-US" sz="2800">
+                <a:solidFill>
+                  <a:srgbClr val="F9F9FA"/>
+                </a:solidFill>
+                <a:latin typeface="Code Pro"/>
+              </a:rPr>
+              <a:t>11</a:t>
+            </a:r>
+          </a:p>
+        </p:txBody>
+      </p:sp>
+      <p:sp>
+        <p:nvSpPr>
+          <p:cNvPr name="TextBox 9" id="9"/>
+          <p:cNvSpPr txBox="true"/>
+          <p:nvPr/>
+        </p:nvSpPr>
+        <p:spPr>
+          <a:xfrm rot="0">
+            <a:off x="1028700" y="859205"/>
+            <a:ext cx="6286896" cy="723305"/>
+          </a:xfrm>
+          <a:prstGeom prst="rect">
+            <a:avLst/>
+          </a:prstGeom>
+        </p:spPr>
+        <p:txBody>
+          <a:bodyPr anchor="t" rtlCol="false" tIns="0" lIns="0" bIns="0" rIns="0">
+            <a:spAutoFit/>
+          </a:bodyPr>
+          <a:lstStyle/>
+          <a:p>
             <a:pPr>
               <a:lnSpc>
                 <a:spcPts val="5759"/>
@@ -5295,14 +5666,14 @@
                 </a:solidFill>
                 <a:latin typeface="Poppins Medium Bold"/>
               </a:rPr>
-              <a:t>Q&amp;A </a:t>
+              <a:t>Conclusion</a:t>
             </a:r>
           </a:p>
         </p:txBody>
       </p:sp>
       <p:sp>
         <p:nvSpPr>
-          <p:cNvPr name="AutoShape 7" id="7"/>
+          <p:cNvPr name="AutoShape 10" id="10"/>
           <p:cNvSpPr/>
           <p:nvPr/>
         </p:nvSpPr>
@@ -5321,7 +5692,7 @@
       </p:sp>
       <p:grpSp>
         <p:nvGrpSpPr>
-          <p:cNvPr name="Group 8" id="8"/>
+          <p:cNvPr name="Group 11" id="11"/>
           <p:cNvGrpSpPr/>
           <p:nvPr/>
         </p:nvGrpSpPr>
@@ -5335,7 +5706,7 @@
         </p:grpSpPr>
         <p:sp>
           <p:nvSpPr>
-            <p:cNvPr name="AutoShape 9" id="9"/>
+            <p:cNvPr name="AutoShape 12" id="12"/>
             <p:cNvSpPr/>
             <p:nvPr/>
           </p:nvSpPr>
@@ -5354,7 +5725,7 @@
         </p:sp>
         <p:sp>
           <p:nvSpPr>
-            <p:cNvPr name="AutoShape 10" id="10"/>
+            <p:cNvPr name="AutoShape 13" id="13"/>
             <p:cNvSpPr/>
             <p:nvPr/>
           </p:nvSpPr>
@@ -5374,14 +5745,14 @@
       </p:grpSp>
       <p:sp>
         <p:nvSpPr>
-          <p:cNvPr name="TextBox 11" id="11"/>
+          <p:cNvPr name="TextBox 14" id="14"/>
           <p:cNvSpPr txBox="true"/>
           <p:nvPr/>
         </p:nvSpPr>
         <p:spPr>
           <a:xfrm rot="0">
-            <a:off x="981075" y="9947962"/>
-            <a:ext cx="1884404" cy="208008"/>
+            <a:off x="1133069" y="3701973"/>
+            <a:ext cx="16517162" cy="3189605"/>
           </a:xfrm>
           <a:prstGeom prst="rect">
             <a:avLst/>
@@ -5393,95 +5764,42 @@
           </a:bodyPr>
           <a:lstStyle/>
           <a:p>
-            <a:pPr algn="r">
+            <a:pPr algn="just">
               <a:lnSpc>
-                <a:spcPts val="1680"/>
+                <a:spcPts val="3220"/>
               </a:lnSpc>
             </a:pPr>
             <a:r>
-              <a:rPr lang="en-US" sz="1400" spc="98">
-                <a:solidFill>
-                  <a:srgbClr val="000000"/>
-                </a:solidFill>
-                <a:latin typeface="Poppins Light"/>
-              </a:rPr>
-              <a:t>black_crow</a:t>
-            </a:r>
-          </a:p>
-        </p:txBody>
-      </p:sp>
-      <p:sp>
-        <p:nvSpPr>
-          <p:cNvPr name="TextBox 12" id="12"/>
-          <p:cNvSpPr txBox="true"/>
-          <p:nvPr/>
-        </p:nvSpPr>
-        <p:spPr>
-          <a:xfrm rot="0">
-            <a:off x="14849413" y="9947962"/>
-            <a:ext cx="4724524" cy="208008"/>
-          </a:xfrm>
-          <a:prstGeom prst="rect">
-            <a:avLst/>
-          </a:prstGeom>
-        </p:spPr>
-        <p:txBody>
-          <a:bodyPr anchor="t" rtlCol="false" tIns="0" lIns="0" bIns="0" rIns="0">
-            <a:spAutoFit/>
-          </a:bodyPr>
-          <a:lstStyle/>
-          <a:p>
-            <a:pPr>
+              <a:rPr lang="en-US" sz="2300">
+                <a:solidFill>
+                  <a:srgbClr val="000000"/>
+                </a:solidFill>
+                <a:latin typeface="Open Sans"/>
+              </a:rPr>
+              <a:t>In this project, we have worked on a predictor, iRecSpot-CNN-1D to efficiently identify recombination spots employing a set of novel features in combination with a coherent feature selection approach. In total, seven hundred sixty features were generated by the three feature generation method. Our features As iRecSpot-CNN-1D trying to accomplish to identify recombination spots better than any other existing methods, it may play a significant role in genetics and cell biology. </a:t>
+            </a:r>
+          </a:p>
+          <a:p>
+            <a:pPr algn="just">
               <a:lnSpc>
-                <a:spcPts val="1680"/>
+                <a:spcPts val="3220"/>
               </a:lnSpc>
             </a:pPr>
-            <a:r>
-              <a:rPr lang="en-US" sz="1400" spc="98">
-                <a:solidFill>
-                  <a:srgbClr val="000000"/>
-                </a:solidFill>
-                <a:latin typeface="Poppins Light"/>
-              </a:rPr>
-              <a:t>DEPARTMENT OF CSE, UIU </a:t>
-            </a:r>
-          </a:p>
-        </p:txBody>
-      </p:sp>
-      <p:sp>
-        <p:nvSpPr>
-          <p:cNvPr name="TextBox 13" id="13"/>
-          <p:cNvSpPr txBox="true"/>
-          <p:nvPr/>
-        </p:nvSpPr>
-        <p:spPr>
-          <a:xfrm rot="0">
-            <a:off x="8210279" y="9716822"/>
-            <a:ext cx="1829341" cy="481330"/>
-          </a:xfrm>
-          <a:prstGeom prst="rect">
-            <a:avLst/>
-          </a:prstGeom>
-        </p:spPr>
-        <p:txBody>
-          <a:bodyPr anchor="t" rtlCol="false" tIns="0" lIns="0" bIns="0" rIns="0">
-            <a:spAutoFit/>
-          </a:bodyPr>
-          <a:lstStyle/>
-          <a:p>
-            <a:pPr algn="ctr">
+          </a:p>
+          <a:p>
+            <a:pPr algn="just">
               <a:lnSpc>
-                <a:spcPts val="3919"/>
+                <a:spcPts val="3219"/>
               </a:lnSpc>
             </a:pPr>
             <a:r>
-              <a:rPr lang="en-US" sz="2800">
-                <a:solidFill>
-                  <a:srgbClr val="F9F9FA"/>
-                </a:solidFill>
-                <a:latin typeface="Code Pro"/>
-              </a:rPr>
-              <a:t>11</a:t>
+              <a:rPr lang="en-US" sz="2300">
+                <a:solidFill>
+                  <a:srgbClr val="000000"/>
+                </a:solidFill>
+                <a:latin typeface="Open Sans"/>
+              </a:rPr>
+              <a:t>Furthermore, the simplicity and the efficiency of the method is very promising as a bioinformatics approach to reveal the mechanism of recombination and genome variation. We are trying more optimization approaches to generate features. </a:t>
             </a:r>
           </a:p>
         </p:txBody>
@@ -5657,8 +5975,8 @@
         </p:nvSpPr>
         <p:spPr>
           <a:xfrm rot="0">
-            <a:off x="981075" y="9947962"/>
-            <a:ext cx="1884404" cy="208008"/>
+            <a:off x="1028700" y="859205"/>
+            <a:ext cx="6286896" cy="723305"/>
           </a:xfrm>
           <a:prstGeom prst="rect">
             <a:avLst/>
@@ -5670,33 +5988,105 @@
           </a:bodyPr>
           <a:lstStyle/>
           <a:p>
-            <a:pPr algn="r">
+            <a:pPr>
               <a:lnSpc>
-                <a:spcPts val="1680"/>
+                <a:spcPts val="5759"/>
               </a:lnSpc>
             </a:pPr>
             <a:r>
-              <a:rPr lang="en-US" sz="1400" spc="98">
-                <a:solidFill>
-                  <a:srgbClr val="000000"/>
-                </a:solidFill>
-                <a:latin typeface="Poppins Light"/>
-              </a:rPr>
-              <a:t>black_crow</a:t>
+              <a:rPr lang="en-US" sz="4800">
+                <a:solidFill>
+                  <a:srgbClr val="181C61"/>
+                </a:solidFill>
+                <a:latin typeface="Poppins Medium Bold"/>
+              </a:rPr>
+              <a:t>Q&amp;A </a:t>
             </a:r>
           </a:p>
         </p:txBody>
       </p:sp>
       <p:sp>
         <p:nvSpPr>
-          <p:cNvPr name="TextBox 7" id="7"/>
+          <p:cNvPr name="AutoShape 7" id="7"/>
+          <p:cNvSpPr/>
+          <p:nvPr/>
+        </p:nvSpPr>
+        <p:spPr>
+          <a:xfrm rot="5400000">
+            <a:off x="7138987" y="-4834364"/>
+            <a:ext cx="9525" cy="12839700"/>
+          </a:xfrm>
+          <a:prstGeom prst="rect">
+            <a:avLst/>
+          </a:prstGeom>
+          <a:solidFill>
+            <a:srgbClr val="141414"/>
+          </a:solidFill>
+        </p:spPr>
+      </p:sp>
+      <p:grpSp>
+        <p:nvGrpSpPr>
+          <p:cNvPr name="Group 8" id="8"/>
+          <p:cNvGrpSpPr/>
+          <p:nvPr/>
+        </p:nvGrpSpPr>
+        <p:grpSpPr>
+          <a:xfrm rot="0">
+            <a:off x="401566" y="0"/>
+            <a:ext cx="142711" cy="10287000"/>
+            <a:chOff x="0" y="0"/>
+            <a:chExt cx="190282" cy="13716000"/>
+          </a:xfrm>
+        </p:grpSpPr>
+        <p:sp>
+          <p:nvSpPr>
+            <p:cNvPr name="AutoShape 9" id="9"/>
+            <p:cNvSpPr/>
+            <p:nvPr/>
+          </p:nvSpPr>
+          <p:spPr>
+            <a:xfrm rot="0">
+              <a:off x="88791" y="0"/>
+              <a:ext cx="12700" cy="13716000"/>
+            </a:xfrm>
+            <a:prstGeom prst="rect">
+              <a:avLst/>
+            </a:prstGeom>
+            <a:solidFill>
+              <a:srgbClr val="141414"/>
+            </a:solidFill>
+          </p:spPr>
+        </p:sp>
+        <p:sp>
+          <p:nvSpPr>
+            <p:cNvPr name="AutoShape 10" id="10"/>
+            <p:cNvSpPr/>
+            <p:nvPr/>
+          </p:nvSpPr>
+          <p:spPr>
+            <a:xfrm rot="0">
+              <a:off x="0" y="5820971"/>
+              <a:ext cx="190282" cy="2074059"/>
+            </a:xfrm>
+            <a:prstGeom prst="rect">
+              <a:avLst/>
+            </a:prstGeom>
+            <a:solidFill>
+              <a:srgbClr val="004AAD"/>
+            </a:solidFill>
+          </p:spPr>
+        </p:sp>
+      </p:grpSp>
+      <p:sp>
+        <p:nvSpPr>
+          <p:cNvPr name="TextBox 11" id="11"/>
           <p:cNvSpPr txBox="true"/>
           <p:nvPr/>
         </p:nvSpPr>
         <p:spPr>
           <a:xfrm rot="0">
-            <a:off x="14849413" y="9947962"/>
-            <a:ext cx="4724524" cy="208008"/>
+            <a:off x="981075" y="9947962"/>
+            <a:ext cx="1884404" cy="208008"/>
           </a:xfrm>
           <a:prstGeom prst="rect">
             <a:avLst/>
@@ -5708,7 +6098,7 @@
           </a:bodyPr>
           <a:lstStyle/>
           <a:p>
-            <a:pPr>
+            <a:pPr algn="r">
               <a:lnSpc>
                 <a:spcPts val="1680"/>
               </a:lnSpc>
@@ -5720,21 +6110,21 @@
                 </a:solidFill>
                 <a:latin typeface="Poppins Light"/>
               </a:rPr>
-              <a:t>DEPARTMENT OF CSE, UIU </a:t>
+              <a:t>black_crow</a:t>
             </a:r>
           </a:p>
         </p:txBody>
       </p:sp>
       <p:sp>
         <p:nvSpPr>
-          <p:cNvPr name="TextBox 8" id="8"/>
+          <p:cNvPr name="TextBox 12" id="12"/>
           <p:cNvSpPr txBox="true"/>
           <p:nvPr/>
         </p:nvSpPr>
         <p:spPr>
           <a:xfrm rot="0">
-            <a:off x="8210279" y="9716822"/>
-            <a:ext cx="1829341" cy="481330"/>
+            <a:off x="14849413" y="9947962"/>
+            <a:ext cx="4724524" cy="208008"/>
           </a:xfrm>
           <a:prstGeom prst="rect">
             <a:avLst/>
@@ -5746,6 +6136,44 @@
           </a:bodyPr>
           <a:lstStyle/>
           <a:p>
+            <a:pPr>
+              <a:lnSpc>
+                <a:spcPts val="1680"/>
+              </a:lnSpc>
+            </a:pPr>
+            <a:r>
+              <a:rPr lang="en-US" sz="1400" spc="98">
+                <a:solidFill>
+                  <a:srgbClr val="000000"/>
+                </a:solidFill>
+                <a:latin typeface="Poppins Light"/>
+              </a:rPr>
+              <a:t>DEPARTMENT OF CSE, UIU </a:t>
+            </a:r>
+          </a:p>
+        </p:txBody>
+      </p:sp>
+      <p:sp>
+        <p:nvSpPr>
+          <p:cNvPr name="TextBox 13" id="13"/>
+          <p:cNvSpPr txBox="true"/>
+          <p:nvPr/>
+        </p:nvSpPr>
+        <p:spPr>
+          <a:xfrm rot="0">
+            <a:off x="8210279" y="9716822"/>
+            <a:ext cx="1829341" cy="481330"/>
+          </a:xfrm>
+          <a:prstGeom prst="rect">
+            <a:avLst/>
+          </a:prstGeom>
+        </p:spPr>
+        <p:txBody>
+          <a:bodyPr anchor="t" rtlCol="false" tIns="0" lIns="0" bIns="0" rIns="0">
+            <a:spAutoFit/>
+          </a:bodyPr>
+          <a:lstStyle/>
+          <a:p>
             <a:pPr algn="ctr">
               <a:lnSpc>
                 <a:spcPts val="3919"/>
@@ -5759,6 +6187,283 @@
                 <a:latin typeface="Code Pro"/>
               </a:rPr>
               <a:t>12</a:t>
+            </a:r>
+          </a:p>
+        </p:txBody>
+      </p:sp>
+    </p:spTree>
+  </p:cSld>
+  <p:clrMapOvr>
+    <a:masterClrMapping/>
+  </p:clrMapOvr>
+</p:sld>
+</file>
+
+<file path=ppt/slides/slide14.xml><?xml version="1.0" encoding="utf-8"?>
+<p:sld xmlns:p="http://schemas.openxmlformats.org/presentationml/2006/main" xmlns:a="http://schemas.openxmlformats.org/drawingml/2006/main" xmlns:r="http://schemas.openxmlformats.org/officeDocument/2006/relationships">
+  <p:cSld>
+    <p:bg>
+      <p:bgPr>
+        <a:blipFill>
+          <a:blip r:embed="rId2"/>
+          <a:srcRect l="0" t="0" r="0" b="0"/>
+          <a:stretch>
+            <a:fillRect/>
+          </a:stretch>
+        </a:blipFill>
+      </p:bgPr>
+    </p:bg>
+    <p:spTree>
+      <p:nvGrpSpPr>
+        <p:cNvPr id="1" name=""/>
+        <p:cNvGrpSpPr/>
+        <p:nvPr/>
+      </p:nvGrpSpPr>
+      <p:grpSpPr>
+        <a:xfrm>
+          <a:off x="0" y="0"/>
+          <a:ext cx="0" cy="0"/>
+          <a:chOff x="0" y="0"/>
+          <a:chExt cx="0" cy="0"/>
+        </a:xfrm>
+      </p:grpSpPr>
+      <p:grpSp>
+        <p:nvGrpSpPr>
+          <p:cNvPr name="Group 2" id="2"/>
+          <p:cNvGrpSpPr/>
+          <p:nvPr/>
+        </p:nvGrpSpPr>
+        <p:grpSpPr>
+          <a:xfrm rot="0">
+            <a:off x="4340786" y="9941080"/>
+            <a:ext cx="9511178" cy="214890"/>
+            <a:chOff x="0" y="0"/>
+            <a:chExt cx="25294954" cy="571500"/>
+          </a:xfrm>
+        </p:grpSpPr>
+        <p:sp>
+          <p:nvSpPr>
+            <p:cNvPr name="Freeform 3" id="3"/>
+            <p:cNvSpPr/>
+            <p:nvPr/>
+          </p:nvSpPr>
+          <p:spPr>
+            <a:xfrm>
+              <a:off x="0" y="255270"/>
+              <a:ext cx="25294954" cy="69850"/>
+            </a:xfrm>
+            <a:custGeom>
+              <a:avLst/>
+              <a:gdLst/>
+              <a:ahLst/>
+              <a:cxnLst/>
+              <a:rect r="r" b="b" t="t" l="l"/>
+              <a:pathLst>
+                <a:path h="69850" w="25294954">
+                  <a:moveTo>
+                    <a:pt x="25004123" y="0"/>
+                  </a:moveTo>
+                  <a:lnTo>
+                    <a:pt x="0" y="0"/>
+                  </a:lnTo>
+                  <a:lnTo>
+                    <a:pt x="0" y="69850"/>
+                  </a:lnTo>
+                  <a:lnTo>
+                    <a:pt x="25294954" y="69850"/>
+                  </a:lnTo>
+                  <a:lnTo>
+                    <a:pt x="25294954" y="0"/>
+                  </a:lnTo>
+                  <a:close/>
+                </a:path>
+              </a:pathLst>
+            </a:custGeom>
+            <a:solidFill>
+              <a:srgbClr val="2C3E77"/>
+            </a:solidFill>
+          </p:spPr>
+        </p:sp>
+      </p:grpSp>
+      <p:grpSp>
+        <p:nvGrpSpPr>
+          <p:cNvPr name="Group 4" id="4"/>
+          <p:cNvGrpSpPr/>
+          <p:nvPr/>
+        </p:nvGrpSpPr>
+        <p:grpSpPr>
+          <a:xfrm rot="0">
+            <a:off x="8887754" y="9786431"/>
+            <a:ext cx="465796" cy="465796"/>
+            <a:chOff x="0" y="0"/>
+            <a:chExt cx="6350000" cy="6350000"/>
+          </a:xfrm>
+        </p:grpSpPr>
+        <p:sp>
+          <p:nvSpPr>
+            <p:cNvPr name="Freeform 5" id="5"/>
+            <p:cNvSpPr/>
+            <p:nvPr/>
+          </p:nvSpPr>
+          <p:spPr>
+            <a:xfrm>
+              <a:off x="14167" y="0"/>
+              <a:ext cx="6321665" cy="6350000"/>
+            </a:xfrm>
+            <a:custGeom>
+              <a:avLst/>
+              <a:gdLst/>
+              <a:ahLst/>
+              <a:cxnLst/>
+              <a:rect r="r" b="b" t="t" l="l"/>
+              <a:pathLst>
+                <a:path h="6350000" w="6321665">
+                  <a:moveTo>
+                    <a:pt x="3160833" y="0"/>
+                  </a:moveTo>
+                  <a:lnTo>
+                    <a:pt x="3160833" y="0"/>
+                  </a:lnTo>
+                  <a:cubicBezTo>
+                    <a:pt x="4908795" y="7817"/>
+                    <a:pt x="6321666" y="1427021"/>
+                    <a:pt x="6321666" y="3175000"/>
+                  </a:cubicBezTo>
+                  <a:cubicBezTo>
+                    <a:pt x="6321666" y="4922979"/>
+                    <a:pt x="4908795" y="6342183"/>
+                    <a:pt x="3160833" y="6350000"/>
+                  </a:cubicBezTo>
+                  <a:cubicBezTo>
+                    <a:pt x="1412871" y="6342183"/>
+                    <a:pt x="0" y="4922979"/>
+                    <a:pt x="0" y="3175000"/>
+                  </a:cubicBezTo>
+                  <a:cubicBezTo>
+                    <a:pt x="0" y="1427021"/>
+                    <a:pt x="1412871" y="7817"/>
+                    <a:pt x="3160833" y="0"/>
+                  </a:cubicBezTo>
+                  <a:close/>
+                </a:path>
+              </a:pathLst>
+            </a:custGeom>
+            <a:solidFill>
+              <a:srgbClr val="004AAD"/>
+            </a:solidFill>
+          </p:spPr>
+        </p:sp>
+      </p:grpSp>
+      <p:sp>
+        <p:nvSpPr>
+          <p:cNvPr name="TextBox 6" id="6"/>
+          <p:cNvSpPr txBox="true"/>
+          <p:nvPr/>
+        </p:nvSpPr>
+        <p:spPr>
+          <a:xfrm rot="0">
+            <a:off x="981075" y="9947962"/>
+            <a:ext cx="1884404" cy="208008"/>
+          </a:xfrm>
+          <a:prstGeom prst="rect">
+            <a:avLst/>
+          </a:prstGeom>
+        </p:spPr>
+        <p:txBody>
+          <a:bodyPr anchor="t" rtlCol="false" tIns="0" lIns="0" bIns="0" rIns="0">
+            <a:spAutoFit/>
+          </a:bodyPr>
+          <a:lstStyle/>
+          <a:p>
+            <a:pPr algn="r">
+              <a:lnSpc>
+                <a:spcPts val="1680"/>
+              </a:lnSpc>
+            </a:pPr>
+            <a:r>
+              <a:rPr lang="en-US" sz="1400" spc="98">
+                <a:solidFill>
+                  <a:srgbClr val="000000"/>
+                </a:solidFill>
+                <a:latin typeface="Poppins Light"/>
+              </a:rPr>
+              <a:t>black_crow</a:t>
+            </a:r>
+          </a:p>
+        </p:txBody>
+      </p:sp>
+      <p:sp>
+        <p:nvSpPr>
+          <p:cNvPr name="TextBox 7" id="7"/>
+          <p:cNvSpPr txBox="true"/>
+          <p:nvPr/>
+        </p:nvSpPr>
+        <p:spPr>
+          <a:xfrm rot="0">
+            <a:off x="14849413" y="9947962"/>
+            <a:ext cx="4724524" cy="208008"/>
+          </a:xfrm>
+          <a:prstGeom prst="rect">
+            <a:avLst/>
+          </a:prstGeom>
+        </p:spPr>
+        <p:txBody>
+          <a:bodyPr anchor="t" rtlCol="false" tIns="0" lIns="0" bIns="0" rIns="0">
+            <a:spAutoFit/>
+          </a:bodyPr>
+          <a:lstStyle/>
+          <a:p>
+            <a:pPr>
+              <a:lnSpc>
+                <a:spcPts val="1680"/>
+              </a:lnSpc>
+            </a:pPr>
+            <a:r>
+              <a:rPr lang="en-US" sz="1400" spc="98">
+                <a:solidFill>
+                  <a:srgbClr val="000000"/>
+                </a:solidFill>
+                <a:latin typeface="Poppins Light"/>
+              </a:rPr>
+              <a:t>DEPARTMENT OF CSE, UIU </a:t>
+            </a:r>
+          </a:p>
+        </p:txBody>
+      </p:sp>
+      <p:sp>
+        <p:nvSpPr>
+          <p:cNvPr name="TextBox 8" id="8"/>
+          <p:cNvSpPr txBox="true"/>
+          <p:nvPr/>
+        </p:nvSpPr>
+        <p:spPr>
+          <a:xfrm rot="0">
+            <a:off x="8210279" y="9716822"/>
+            <a:ext cx="1829341" cy="481330"/>
+          </a:xfrm>
+          <a:prstGeom prst="rect">
+            <a:avLst/>
+          </a:prstGeom>
+        </p:spPr>
+        <p:txBody>
+          <a:bodyPr anchor="t" rtlCol="false" tIns="0" lIns="0" bIns="0" rIns="0">
+            <a:spAutoFit/>
+          </a:bodyPr>
+          <a:lstStyle/>
+          <a:p>
+            <a:pPr algn="ctr">
+              <a:lnSpc>
+                <a:spcPts val="3919"/>
+              </a:lnSpc>
+            </a:pPr>
+            <a:r>
+              <a:rPr lang="en-US" sz="2800">
+                <a:solidFill>
+                  <a:srgbClr val="F9F9FA"/>
+                </a:solidFill>
+                <a:latin typeface="Code Pro"/>
+              </a:rPr>
+              <a:t>13</a:t>
             </a:r>
           </a:p>
         </p:txBody>
@@ -8471,7 +9176,7 @@
                 </a:solidFill>
                 <a:latin typeface="Open Sans"/>
               </a:rPr>
-              <a:t>n our project, we calculated till  4-mer and extracted 340 features from K-mer. Then we calculated the occurrence of specific K-mer.</a:t>
+              <a:t>n our p, we calculated till  4-mer and extracted 340 features from K-mer. Then we calculated the occurrence of specific K-mer.</a:t>
             </a:r>
           </a:p>
           <a:p>
